--- a/docs/images.pptx
+++ b/docs/images.pptx
@@ -6,6 +6,8 @@
   </p:sldMasterIdLst>
   <p:sldIdLst>
     <p:sldId id="256" r:id="rId2"/>
+    <p:sldId id="257" r:id="rId3"/>
+    <p:sldId id="258" r:id="rId4"/>
   </p:sldIdLst>
   <p:sldSz cx="12192000" cy="6858000"/>
   <p:notesSz cx="6858000" cy="9144000"/>
@@ -104,6 +106,11 @@
       </a:defRPr>
     </a:lvl9pPr>
   </p:defaultTextStyle>
+  <p:extLst>
+    <p:ext uri="{EFAFB233-063F-42B5-8137-9DF3F51BA10A}">
+      <p15:sldGuideLst xmlns:p15="http://schemas.microsoft.com/office/powerpoint/2012/main"/>
+    </p:ext>
+  </p:extLst>
 </p:presentation>
 </file>
 
@@ -254,7 +261,7 @@
           <a:p>
             <a:fld id="{597BBCCF-2965-4588-BE30-FA70B98759A2}" type="datetimeFigureOut">
               <a:rPr kumimoji="1" lang="ja-JP" altLang="en-US" smtClean="0"/>
-              <a:t>2021/5/6</a:t>
+              <a:t>2021/6/17</a:t>
             </a:fld>
             <a:endParaRPr kumimoji="1" lang="ja-JP" altLang="en-US"/>
           </a:p>
@@ -484,7 +491,7 @@
           <a:p>
             <a:fld id="{597BBCCF-2965-4588-BE30-FA70B98759A2}" type="datetimeFigureOut">
               <a:rPr kumimoji="1" lang="ja-JP" altLang="en-US" smtClean="0"/>
-              <a:t>2021/5/6</a:t>
+              <a:t>2021/6/17</a:t>
             </a:fld>
             <a:endParaRPr kumimoji="1" lang="ja-JP" altLang="en-US"/>
           </a:p>
@@ -724,7 +731,7 @@
           <a:p>
             <a:fld id="{597BBCCF-2965-4588-BE30-FA70B98759A2}" type="datetimeFigureOut">
               <a:rPr kumimoji="1" lang="ja-JP" altLang="en-US" smtClean="0"/>
-              <a:t>2021/5/6</a:t>
+              <a:t>2021/6/17</a:t>
             </a:fld>
             <a:endParaRPr kumimoji="1" lang="ja-JP" altLang="en-US"/>
           </a:p>
@@ -954,7 +961,7 @@
           <a:p>
             <a:fld id="{597BBCCF-2965-4588-BE30-FA70B98759A2}" type="datetimeFigureOut">
               <a:rPr kumimoji="1" lang="ja-JP" altLang="en-US" smtClean="0"/>
-              <a:t>2021/5/6</a:t>
+              <a:t>2021/6/17</a:t>
             </a:fld>
             <a:endParaRPr kumimoji="1" lang="ja-JP" altLang="en-US"/>
           </a:p>
@@ -1229,7 +1236,7 @@
           <a:p>
             <a:fld id="{597BBCCF-2965-4588-BE30-FA70B98759A2}" type="datetimeFigureOut">
               <a:rPr kumimoji="1" lang="ja-JP" altLang="en-US" smtClean="0"/>
-              <a:t>2021/5/6</a:t>
+              <a:t>2021/6/17</a:t>
             </a:fld>
             <a:endParaRPr kumimoji="1" lang="ja-JP" altLang="en-US"/>
           </a:p>
@@ -1558,7 +1565,7 @@
           <a:p>
             <a:fld id="{597BBCCF-2965-4588-BE30-FA70B98759A2}" type="datetimeFigureOut">
               <a:rPr kumimoji="1" lang="ja-JP" altLang="en-US" smtClean="0"/>
-              <a:t>2021/5/6</a:t>
+              <a:t>2021/6/17</a:t>
             </a:fld>
             <a:endParaRPr kumimoji="1" lang="ja-JP" altLang="en-US"/>
           </a:p>
@@ -2034,7 +2041,7 @@
           <a:p>
             <a:fld id="{597BBCCF-2965-4588-BE30-FA70B98759A2}" type="datetimeFigureOut">
               <a:rPr kumimoji="1" lang="ja-JP" altLang="en-US" smtClean="0"/>
-              <a:t>2021/5/6</a:t>
+              <a:t>2021/6/17</a:t>
             </a:fld>
             <a:endParaRPr kumimoji="1" lang="ja-JP" altLang="en-US"/>
           </a:p>
@@ -2175,7 +2182,7 @@
           <a:p>
             <a:fld id="{597BBCCF-2965-4588-BE30-FA70B98759A2}" type="datetimeFigureOut">
               <a:rPr kumimoji="1" lang="ja-JP" altLang="en-US" smtClean="0"/>
-              <a:t>2021/5/6</a:t>
+              <a:t>2021/6/17</a:t>
             </a:fld>
             <a:endParaRPr kumimoji="1" lang="ja-JP" altLang="en-US"/>
           </a:p>
@@ -2288,7 +2295,7 @@
           <a:p>
             <a:fld id="{597BBCCF-2965-4588-BE30-FA70B98759A2}" type="datetimeFigureOut">
               <a:rPr kumimoji="1" lang="ja-JP" altLang="en-US" smtClean="0"/>
-              <a:t>2021/5/6</a:t>
+              <a:t>2021/6/17</a:t>
             </a:fld>
             <a:endParaRPr kumimoji="1" lang="ja-JP" altLang="en-US"/>
           </a:p>
@@ -2631,7 +2638,7 @@
           <a:p>
             <a:fld id="{597BBCCF-2965-4588-BE30-FA70B98759A2}" type="datetimeFigureOut">
               <a:rPr kumimoji="1" lang="ja-JP" altLang="en-US" smtClean="0"/>
-              <a:t>2021/5/6</a:t>
+              <a:t>2021/6/17</a:t>
             </a:fld>
             <a:endParaRPr kumimoji="1" lang="ja-JP" altLang="en-US"/>
           </a:p>
@@ -2919,7 +2926,7 @@
           <a:p>
             <a:fld id="{597BBCCF-2965-4588-BE30-FA70B98759A2}" type="datetimeFigureOut">
               <a:rPr kumimoji="1" lang="ja-JP" altLang="en-US" smtClean="0"/>
-              <a:t>2021/5/6</a:t>
+              <a:t>2021/6/17</a:t>
             </a:fld>
             <a:endParaRPr kumimoji="1" lang="ja-JP" altLang="en-US"/>
           </a:p>
@@ -3192,7 +3199,7 @@
           <a:p>
             <a:fld id="{597BBCCF-2965-4588-BE30-FA70B98759A2}" type="datetimeFigureOut">
               <a:rPr kumimoji="1" lang="ja-JP" altLang="en-US" smtClean="0"/>
-              <a:t>2021/5/6</a:t>
+              <a:t>2021/6/17</a:t>
             </a:fld>
             <a:endParaRPr kumimoji="1" lang="ja-JP" altLang="en-US"/>
           </a:p>
@@ -3970,7 +3977,7 @@
         </p:nvSpPr>
         <p:spPr>
           <a:xfrm>
-            <a:off x="1982441" y="4765709"/>
+            <a:off x="720663" y="4933439"/>
             <a:ext cx="3270447" cy="369332"/>
           </a:xfrm>
           <a:prstGeom prst="rect">
@@ -4341,7 +4348,7 @@
         </p:nvSpPr>
         <p:spPr>
           <a:xfrm>
-            <a:off x="6118010" y="4771572"/>
+            <a:off x="4856232" y="4939302"/>
             <a:ext cx="3866764" cy="369332"/>
           </a:xfrm>
           <a:prstGeom prst="rect">
@@ -4361,6 +4368,16 @@
           <a:lstStyle/>
           <a:p>
             <a:r>
+              <a:rPr kumimoji="1" lang="en-US" altLang="ja-JP" err="1">
+                <a:solidFill>
+                  <a:schemeClr val="tx2"/>
+                </a:solidFill>
+                <a:latin typeface="Segoe UI" panose="020B0502040204020203" pitchFamily="34" charset="0"/>
+                <a:cs typeface="Segoe UI" panose="020B0502040204020203" pitchFamily="34" charset="0"/>
+              </a:rPr>
+              <a:t>IAsyncRequestHandler</a:t>
+            </a:r>
+            <a:r>
               <a:rPr kumimoji="1" lang="en-US" altLang="ja-JP">
                 <a:solidFill>
                   <a:schemeClr val="tx2"/>
@@ -4368,7 +4385,47 @@
                 <a:latin typeface="Segoe UI" panose="020B0502040204020203" pitchFamily="34" charset="0"/>
                 <a:cs typeface="Segoe UI" panose="020B0502040204020203" pitchFamily="34" charset="0"/>
               </a:rPr>
-              <a:t>IAsyncRequestHandler&lt;TReq, TRes&gt;</a:t>
+              <a:t>&lt;</a:t>
+            </a:r>
+            <a:r>
+              <a:rPr kumimoji="1" lang="en-US" altLang="ja-JP" err="1">
+                <a:solidFill>
+                  <a:schemeClr val="tx2"/>
+                </a:solidFill>
+                <a:latin typeface="Segoe UI" panose="020B0502040204020203" pitchFamily="34" charset="0"/>
+                <a:cs typeface="Segoe UI" panose="020B0502040204020203" pitchFamily="34" charset="0"/>
+              </a:rPr>
+              <a:t>TReq</a:t>
+            </a:r>
+            <a:r>
+              <a:rPr kumimoji="1" lang="en-US" altLang="ja-JP">
+                <a:solidFill>
+                  <a:schemeClr val="tx2"/>
+                </a:solidFill>
+                <a:latin typeface="Segoe UI" panose="020B0502040204020203" pitchFamily="34" charset="0"/>
+                <a:cs typeface="Segoe UI" panose="020B0502040204020203" pitchFamily="34" charset="0"/>
+              </a:rPr>
+              <a:t>, </a:t>
+            </a:r>
+            <a:r>
+              <a:rPr kumimoji="1" lang="en-US" altLang="ja-JP" err="1">
+                <a:solidFill>
+                  <a:schemeClr val="tx2"/>
+                </a:solidFill>
+                <a:latin typeface="Segoe UI" panose="020B0502040204020203" pitchFamily="34" charset="0"/>
+                <a:cs typeface="Segoe UI" panose="020B0502040204020203" pitchFamily="34" charset="0"/>
+              </a:rPr>
+              <a:t>TRes</a:t>
+            </a:r>
+            <a:r>
+              <a:rPr kumimoji="1" lang="en-US" altLang="ja-JP">
+                <a:solidFill>
+                  <a:schemeClr val="tx2"/>
+                </a:solidFill>
+                <a:latin typeface="Segoe UI" panose="020B0502040204020203" pitchFamily="34" charset="0"/>
+                <a:cs typeface="Segoe UI" panose="020B0502040204020203" pitchFamily="34" charset="0"/>
+              </a:rPr>
+              <a:t>&gt;</a:t>
             </a:r>
             <a:endParaRPr kumimoji="1" lang="ja-JP" altLang="en-US">
               <a:solidFill>
@@ -4394,7 +4451,7 @@
         </p:nvSpPr>
         <p:spPr>
           <a:xfrm>
-            <a:off x="1851796" y="5521687"/>
+            <a:off x="590018" y="5689417"/>
             <a:ext cx="3531736" cy="369332"/>
           </a:xfrm>
           <a:prstGeom prst="rect">
@@ -4447,7 +4504,7 @@
         </p:nvSpPr>
         <p:spPr>
           <a:xfrm>
-            <a:off x="5987366" y="5526214"/>
+            <a:off x="2772341" y="6235574"/>
             <a:ext cx="4128053" cy="369332"/>
           </a:xfrm>
           <a:prstGeom prst="rect">
@@ -4467,6 +4524,16 @@
           <a:lstStyle/>
           <a:p>
             <a:r>
+              <a:rPr kumimoji="1" lang="en-US" altLang="ja-JP" err="1">
+                <a:solidFill>
+                  <a:schemeClr val="tx2"/>
+                </a:solidFill>
+                <a:latin typeface="Segoe UI" panose="020B0502040204020203" pitchFamily="34" charset="0"/>
+                <a:cs typeface="Segoe UI" panose="020B0502040204020203" pitchFamily="34" charset="0"/>
+              </a:rPr>
+              <a:t>IAsyncRequestAllHandler</a:t>
+            </a:r>
+            <a:r>
               <a:rPr kumimoji="1" lang="en-US" altLang="ja-JP">
                 <a:solidFill>
                   <a:schemeClr val="tx2"/>
@@ -4474,7 +4541,47 @@
                 <a:latin typeface="Segoe UI" panose="020B0502040204020203" pitchFamily="34" charset="0"/>
                 <a:cs typeface="Segoe UI" panose="020B0502040204020203" pitchFamily="34" charset="0"/>
               </a:rPr>
-              <a:t>IAsyncRequestAllHandler&lt;TReq, TRes&gt;</a:t>
+              <a:t>&lt;</a:t>
+            </a:r>
+            <a:r>
+              <a:rPr kumimoji="1" lang="en-US" altLang="ja-JP" err="1">
+                <a:solidFill>
+                  <a:schemeClr val="tx2"/>
+                </a:solidFill>
+                <a:latin typeface="Segoe UI" panose="020B0502040204020203" pitchFamily="34" charset="0"/>
+                <a:cs typeface="Segoe UI" panose="020B0502040204020203" pitchFamily="34" charset="0"/>
+              </a:rPr>
+              <a:t>TReq</a:t>
+            </a:r>
+            <a:r>
+              <a:rPr kumimoji="1" lang="en-US" altLang="ja-JP">
+                <a:solidFill>
+                  <a:schemeClr val="tx2"/>
+                </a:solidFill>
+                <a:latin typeface="Segoe UI" panose="020B0502040204020203" pitchFamily="34" charset="0"/>
+                <a:cs typeface="Segoe UI" panose="020B0502040204020203" pitchFamily="34" charset="0"/>
+              </a:rPr>
+              <a:t>, </a:t>
+            </a:r>
+            <a:r>
+              <a:rPr kumimoji="1" lang="en-US" altLang="ja-JP" err="1">
+                <a:solidFill>
+                  <a:schemeClr val="tx2"/>
+                </a:solidFill>
+                <a:latin typeface="Segoe UI" panose="020B0502040204020203" pitchFamily="34" charset="0"/>
+                <a:cs typeface="Segoe UI" panose="020B0502040204020203" pitchFamily="34" charset="0"/>
+              </a:rPr>
+              <a:t>TRes</a:t>
+            </a:r>
+            <a:r>
+              <a:rPr kumimoji="1" lang="en-US" altLang="ja-JP">
+                <a:solidFill>
+                  <a:schemeClr val="tx2"/>
+                </a:solidFill>
+                <a:latin typeface="Segoe UI" panose="020B0502040204020203" pitchFamily="34" charset="0"/>
+                <a:cs typeface="Segoe UI" panose="020B0502040204020203" pitchFamily="34" charset="0"/>
+              </a:rPr>
+              <a:t>&gt;</a:t>
             </a:r>
             <a:endParaRPr kumimoji="1" lang="ja-JP" altLang="en-US">
               <a:solidFill>
@@ -5355,7 +5462,7 @@
         </p:nvCxnSpPr>
         <p:spPr>
           <a:xfrm flipH="1">
-            <a:off x="3617664" y="5135041"/>
+            <a:off x="2355886" y="5302771"/>
             <a:ext cx="1" cy="386646"/>
           </a:xfrm>
           <a:prstGeom prst="line">
@@ -5395,9 +5502,153 @@
           <p:nvPr/>
         </p:nvCxnSpPr>
         <p:spPr>
+          <a:xfrm flipH="1">
+            <a:off x="4836368" y="5308634"/>
+            <a:ext cx="1953246" cy="926940"/>
+          </a:xfrm>
+          <a:prstGeom prst="line">
+            <a:avLst/>
+          </a:prstGeom>
+          <a:ln w="19050"/>
+        </p:spPr>
+        <p:style>
+          <a:lnRef idx="1">
+            <a:schemeClr val="accent1"/>
+          </a:lnRef>
+          <a:fillRef idx="0">
+            <a:schemeClr val="accent1"/>
+          </a:fillRef>
+          <a:effectRef idx="0">
+            <a:schemeClr val="accent1"/>
+          </a:effectRef>
+          <a:fontRef idx="minor">
+            <a:schemeClr val="tx1"/>
+          </a:fontRef>
+        </p:style>
+      </p:cxnSp>
+      <p:sp>
+        <p:nvSpPr>
+          <p:cNvPr id="40" name="テキスト ボックス 39">
+            <a:extLst>
+              <a:ext uri="{FF2B5EF4-FFF2-40B4-BE49-F238E27FC236}">
+                <a16:creationId xmlns:a16="http://schemas.microsoft.com/office/drawing/2014/main" id="{56CC579E-C293-445C-BE25-73416263770F}"/>
+              </a:ext>
+            </a:extLst>
+          </p:cNvPr>
+          <p:cNvSpPr txBox="1"/>
+          <p:nvPr/>
+        </p:nvSpPr>
+        <p:spPr>
           <a:xfrm>
-            <a:off x="8051392" y="5140904"/>
-            <a:ext cx="1" cy="385310"/>
+            <a:off x="7236911" y="6235574"/>
+            <a:ext cx="4054194" cy="369332"/>
+          </a:xfrm>
+          <a:prstGeom prst="rect">
+            <a:avLst/>
+          </a:prstGeom>
+          <a:solidFill>
+            <a:schemeClr val="tx2">
+              <a:lumMod val="20000"/>
+              <a:lumOff val="80000"/>
+            </a:schemeClr>
+          </a:solidFill>
+        </p:spPr>
+        <p:txBody>
+          <a:bodyPr wrap="square" rtlCol="0">
+            <a:spAutoFit/>
+          </a:bodyPr>
+          <a:lstStyle/>
+          <a:p>
+            <a:r>
+              <a:rPr kumimoji="1" lang="en-US" altLang="ja-JP" err="1">
+                <a:solidFill>
+                  <a:schemeClr val="tx2"/>
+                </a:solidFill>
+                <a:latin typeface="Segoe UI" panose="020B0502040204020203" pitchFamily="34" charset="0"/>
+                <a:cs typeface="Segoe UI" panose="020B0502040204020203" pitchFamily="34" charset="0"/>
+              </a:rPr>
+              <a:t>IRemoteRequestHandler</a:t>
+            </a:r>
+            <a:r>
+              <a:rPr kumimoji="1" lang="en-US" altLang="ja-JP">
+                <a:solidFill>
+                  <a:schemeClr val="tx2"/>
+                </a:solidFill>
+                <a:latin typeface="Segoe UI" panose="020B0502040204020203" pitchFamily="34" charset="0"/>
+                <a:cs typeface="Segoe UI" panose="020B0502040204020203" pitchFamily="34" charset="0"/>
+              </a:rPr>
+              <a:t>&lt;</a:t>
+            </a:r>
+            <a:r>
+              <a:rPr kumimoji="1" lang="en-US" altLang="ja-JP" err="1">
+                <a:solidFill>
+                  <a:schemeClr val="tx2"/>
+                </a:solidFill>
+                <a:latin typeface="Segoe UI" panose="020B0502040204020203" pitchFamily="34" charset="0"/>
+                <a:cs typeface="Segoe UI" panose="020B0502040204020203" pitchFamily="34" charset="0"/>
+              </a:rPr>
+              <a:t>TReq</a:t>
+            </a:r>
+            <a:r>
+              <a:rPr kumimoji="1" lang="en-US" altLang="ja-JP">
+                <a:solidFill>
+                  <a:schemeClr val="tx2"/>
+                </a:solidFill>
+                <a:latin typeface="Segoe UI" panose="020B0502040204020203" pitchFamily="34" charset="0"/>
+                <a:cs typeface="Segoe UI" panose="020B0502040204020203" pitchFamily="34" charset="0"/>
+              </a:rPr>
+              <a:t>, </a:t>
+            </a:r>
+            <a:r>
+              <a:rPr kumimoji="1" lang="en-US" altLang="ja-JP" err="1">
+                <a:solidFill>
+                  <a:schemeClr val="tx2"/>
+                </a:solidFill>
+                <a:latin typeface="Segoe UI" panose="020B0502040204020203" pitchFamily="34" charset="0"/>
+                <a:cs typeface="Segoe UI" panose="020B0502040204020203" pitchFamily="34" charset="0"/>
+              </a:rPr>
+              <a:t>TRes</a:t>
+            </a:r>
+            <a:r>
+              <a:rPr kumimoji="1" lang="en-US" altLang="ja-JP">
+                <a:solidFill>
+                  <a:schemeClr val="tx2"/>
+                </a:solidFill>
+                <a:latin typeface="Segoe UI" panose="020B0502040204020203" pitchFamily="34" charset="0"/>
+                <a:cs typeface="Segoe UI" panose="020B0502040204020203" pitchFamily="34" charset="0"/>
+              </a:rPr>
+              <a:t>&gt;</a:t>
+            </a:r>
+            <a:endParaRPr kumimoji="1" lang="ja-JP" altLang="en-US">
+              <a:solidFill>
+                <a:schemeClr val="tx2"/>
+              </a:solidFill>
+              <a:latin typeface="Segoe UI" panose="020B0502040204020203" pitchFamily="34" charset="0"/>
+              <a:cs typeface="Segoe UI" panose="020B0502040204020203" pitchFamily="34" charset="0"/>
+            </a:endParaRPr>
+          </a:p>
+        </p:txBody>
+      </p:sp>
+      <p:cxnSp>
+        <p:nvCxnSpPr>
+          <p:cNvPr id="43" name="直線コネクタ 42">
+            <a:extLst>
+              <a:ext uri="{FF2B5EF4-FFF2-40B4-BE49-F238E27FC236}">
+                <a16:creationId xmlns:a16="http://schemas.microsoft.com/office/drawing/2014/main" id="{FFC43CBA-32E5-4754-A5DA-DFA9A1D4A7E1}"/>
+              </a:ext>
+            </a:extLst>
+          </p:cNvPr>
+          <p:cNvCxnSpPr>
+            <a:cxnSpLocks/>
+            <a:stCxn id="25" idx="2"/>
+            <a:endCxn id="40" idx="0"/>
+          </p:cNvCxnSpPr>
+          <p:nvPr/>
+        </p:nvCxnSpPr>
+        <p:spPr>
+          <a:xfrm>
+            <a:off x="6789614" y="5308634"/>
+            <a:ext cx="2474394" cy="926940"/>
           </a:xfrm>
           <a:prstGeom prst="line">
             <a:avLst/>
@@ -5423,6 +5674,414 @@
     <p:extLst>
       <p:ext uri="{BB962C8B-B14F-4D97-AF65-F5344CB8AC3E}">
         <p14:creationId xmlns:p14="http://schemas.microsoft.com/office/powerpoint/2010/main" val="4110514607"/>
+      </p:ext>
+    </p:extLst>
+  </p:cSld>
+  <p:clrMapOvr>
+    <a:masterClrMapping/>
+  </p:clrMapOvr>
+</p:sld>
+</file>
+
+<file path=ppt/slides/slide2.xml><?xml version="1.0" encoding="utf-8"?>
+<p:sld xmlns:a="http://schemas.openxmlformats.org/drawingml/2006/main" xmlns:r="http://schemas.openxmlformats.org/officeDocument/2006/relationships" xmlns:p="http://schemas.openxmlformats.org/presentationml/2006/main">
+  <p:cSld>
+    <p:spTree>
+      <p:nvGrpSpPr>
+        <p:cNvPr id="1" name=""/>
+        <p:cNvGrpSpPr/>
+        <p:nvPr/>
+      </p:nvGrpSpPr>
+      <p:grpSpPr>
+        <a:xfrm>
+          <a:off x="0" y="0"/>
+          <a:ext cx="0" cy="0"/>
+          <a:chOff x="0" y="0"/>
+          <a:chExt cx="0" cy="0"/>
+        </a:xfrm>
+      </p:grpSpPr>
+      <p:pic>
+        <p:nvPicPr>
+          <p:cNvPr id="5" name="図 4">
+            <a:extLst>
+              <a:ext uri="{FF2B5EF4-FFF2-40B4-BE49-F238E27FC236}">
+                <a16:creationId xmlns:a16="http://schemas.microsoft.com/office/drawing/2014/main" id="{4FF8856C-71FC-4107-B393-6A5A52BA4597}"/>
+              </a:ext>
+            </a:extLst>
+          </p:cNvPr>
+          <p:cNvPicPr>
+            <a:picLocks noChangeAspect="1"/>
+          </p:cNvPicPr>
+          <p:nvPr/>
+        </p:nvPicPr>
+        <p:blipFill>
+          <a:blip r:embed="rId2"/>
+          <a:stretch>
+            <a:fillRect/>
+          </a:stretch>
+        </p:blipFill>
+        <p:spPr>
+          <a:xfrm>
+            <a:off x="1618840" y="819033"/>
+            <a:ext cx="5868219" cy="1676634"/>
+          </a:xfrm>
+          <a:prstGeom prst="rect">
+            <a:avLst/>
+          </a:prstGeom>
+        </p:spPr>
+      </p:pic>
+      <p:pic>
+        <p:nvPicPr>
+          <p:cNvPr id="7" name="図 6">
+            <a:extLst>
+              <a:ext uri="{FF2B5EF4-FFF2-40B4-BE49-F238E27FC236}">
+                <a16:creationId xmlns:a16="http://schemas.microsoft.com/office/drawing/2014/main" id="{72ADAC95-AB41-4340-AFB7-635075054AEB}"/>
+              </a:ext>
+            </a:extLst>
+          </p:cNvPr>
+          <p:cNvPicPr>
+            <a:picLocks noChangeAspect="1"/>
+          </p:cNvPicPr>
+          <p:nvPr/>
+        </p:nvPicPr>
+        <p:blipFill>
+          <a:blip r:embed="rId3"/>
+          <a:stretch>
+            <a:fillRect/>
+          </a:stretch>
+        </p:blipFill>
+        <p:spPr>
+          <a:xfrm>
+            <a:off x="723476" y="2705031"/>
+            <a:ext cx="6077798" cy="990738"/>
+          </a:xfrm>
+          <a:prstGeom prst="rect">
+            <a:avLst/>
+          </a:prstGeom>
+        </p:spPr>
+      </p:pic>
+      <p:pic>
+        <p:nvPicPr>
+          <p:cNvPr id="9" name="図 8">
+            <a:extLst>
+              <a:ext uri="{FF2B5EF4-FFF2-40B4-BE49-F238E27FC236}">
+                <a16:creationId xmlns:a16="http://schemas.microsoft.com/office/drawing/2014/main" id="{E9A3437C-4AB8-4CA7-B732-A0F60C254168}"/>
+              </a:ext>
+            </a:extLst>
+          </p:cNvPr>
+          <p:cNvPicPr>
+            <a:picLocks noChangeAspect="1"/>
+          </p:cNvPicPr>
+          <p:nvPr/>
+        </p:nvPicPr>
+        <p:blipFill>
+          <a:blip r:embed="rId4"/>
+          <a:stretch>
+            <a:fillRect/>
+          </a:stretch>
+        </p:blipFill>
+        <p:spPr>
+          <a:xfrm>
+            <a:off x="3604781" y="4162308"/>
+            <a:ext cx="6182588" cy="1695687"/>
+          </a:xfrm>
+          <a:prstGeom prst="rect">
+            <a:avLst/>
+          </a:prstGeom>
+        </p:spPr>
+      </p:pic>
+      <p:cxnSp>
+        <p:nvCxnSpPr>
+          <p:cNvPr id="11" name="コネクタ: カギ線 10">
+            <a:extLst>
+              <a:ext uri="{FF2B5EF4-FFF2-40B4-BE49-F238E27FC236}">
+                <a16:creationId xmlns:a16="http://schemas.microsoft.com/office/drawing/2014/main" id="{E99E81C6-533B-4F39-938B-0FACD230BBCB}"/>
+              </a:ext>
+            </a:extLst>
+          </p:cNvPr>
+          <p:cNvCxnSpPr>
+            <a:cxnSpLocks/>
+            <a:endCxn id="9" idx="1"/>
+          </p:cNvCxnSpPr>
+          <p:nvPr/>
+        </p:nvCxnSpPr>
+        <p:spPr>
+          <a:xfrm rot="16200000" flipH="1">
+            <a:off x="2135763" y="3541134"/>
+            <a:ext cx="1581154" cy="1356881"/>
+          </a:xfrm>
+          <a:prstGeom prst="bentConnector2">
+            <a:avLst/>
+          </a:prstGeom>
+          <a:ln w="31750">
+            <a:tailEnd type="triangle"/>
+          </a:ln>
+        </p:spPr>
+        <p:style>
+          <a:lnRef idx="1">
+            <a:schemeClr val="accent1"/>
+          </a:lnRef>
+          <a:fillRef idx="0">
+            <a:schemeClr val="accent1"/>
+          </a:fillRef>
+          <a:effectRef idx="0">
+            <a:schemeClr val="accent1"/>
+          </a:effectRef>
+          <a:fontRef idx="minor">
+            <a:schemeClr val="tx1"/>
+          </a:fontRef>
+        </p:style>
+      </p:cxnSp>
+      <p:sp>
+        <p:nvSpPr>
+          <p:cNvPr id="14" name="テキスト ボックス 13">
+            <a:extLst>
+              <a:ext uri="{FF2B5EF4-FFF2-40B4-BE49-F238E27FC236}">
+                <a16:creationId xmlns:a16="http://schemas.microsoft.com/office/drawing/2014/main" id="{3FAAFCE6-6FE2-4811-A0CD-5A1E25C94AC9}"/>
+              </a:ext>
+            </a:extLst>
+          </p:cNvPr>
+          <p:cNvSpPr txBox="1"/>
+          <p:nvPr/>
+        </p:nvSpPr>
+        <p:spPr>
+          <a:xfrm>
+            <a:off x="545189" y="4214461"/>
+            <a:ext cx="1702710" cy="276999"/>
+          </a:xfrm>
+          <a:prstGeom prst="rect">
+            <a:avLst/>
+          </a:prstGeom>
+          <a:noFill/>
+        </p:spPr>
+        <p:txBody>
+          <a:bodyPr wrap="none" rtlCol="0">
+            <a:spAutoFit/>
+          </a:bodyPr>
+          <a:lstStyle/>
+          <a:p>
+            <a:r>
+              <a:rPr kumimoji="1" lang="en-US" altLang="ja-JP" sz="1200">
+                <a:latin typeface="Arial" panose="020B0604020202020204" pitchFamily="34" charset="0"/>
+                <a:cs typeface="Arial" panose="020B0604020202020204" pitchFamily="34" charset="0"/>
+              </a:rPr>
+              <a:t>NamedPipe/TCP/UDP</a:t>
+            </a:r>
+            <a:endParaRPr kumimoji="1" lang="ja-JP" altLang="en-US" sz="1200">
+              <a:latin typeface="Arial" panose="020B0604020202020204" pitchFamily="34" charset="0"/>
+              <a:cs typeface="Arial" panose="020B0604020202020204" pitchFamily="34" charset="0"/>
+            </a:endParaRPr>
+          </a:p>
+        </p:txBody>
+      </p:sp>
+    </p:spTree>
+    <p:extLst>
+      <p:ext uri="{BB962C8B-B14F-4D97-AF65-F5344CB8AC3E}">
+        <p14:creationId xmlns:p14="http://schemas.microsoft.com/office/powerpoint/2010/main" val="1443723203"/>
+      </p:ext>
+    </p:extLst>
+  </p:cSld>
+  <p:clrMapOvr>
+    <a:masterClrMapping/>
+  </p:clrMapOvr>
+</p:sld>
+</file>
+
+<file path=ppt/slides/slide3.xml><?xml version="1.0" encoding="utf-8"?>
+<p:sld xmlns:a="http://schemas.openxmlformats.org/drawingml/2006/main" xmlns:r="http://schemas.openxmlformats.org/officeDocument/2006/relationships" xmlns:p="http://schemas.openxmlformats.org/presentationml/2006/main">
+  <p:cSld>
+    <p:spTree>
+      <p:nvGrpSpPr>
+        <p:cNvPr id="1" name=""/>
+        <p:cNvGrpSpPr/>
+        <p:nvPr/>
+      </p:nvGrpSpPr>
+      <p:grpSpPr>
+        <a:xfrm>
+          <a:off x="0" y="0"/>
+          <a:ext cx="0" cy="0"/>
+          <a:chOff x="0" y="0"/>
+          <a:chExt cx="0" cy="0"/>
+        </a:xfrm>
+      </p:grpSpPr>
+      <p:pic>
+        <p:nvPicPr>
+          <p:cNvPr id="5" name="図 4">
+            <a:extLst>
+              <a:ext uri="{FF2B5EF4-FFF2-40B4-BE49-F238E27FC236}">
+                <a16:creationId xmlns:a16="http://schemas.microsoft.com/office/drawing/2014/main" id="{4FF8856C-71FC-4107-B393-6A5A52BA4597}"/>
+              </a:ext>
+            </a:extLst>
+          </p:cNvPr>
+          <p:cNvPicPr>
+            <a:picLocks noChangeAspect="1"/>
+          </p:cNvPicPr>
+          <p:nvPr/>
+        </p:nvPicPr>
+        <p:blipFill>
+          <a:blip r:embed="rId2"/>
+          <a:stretch>
+            <a:fillRect/>
+          </a:stretch>
+        </p:blipFill>
+        <p:spPr>
+          <a:xfrm>
+            <a:off x="1618840" y="819033"/>
+            <a:ext cx="5868219" cy="1676634"/>
+          </a:xfrm>
+          <a:prstGeom prst="rect">
+            <a:avLst/>
+          </a:prstGeom>
+        </p:spPr>
+      </p:pic>
+      <p:sp>
+        <p:nvSpPr>
+          <p:cNvPr id="14" name="テキスト ボックス 13">
+            <a:extLst>
+              <a:ext uri="{FF2B5EF4-FFF2-40B4-BE49-F238E27FC236}">
+                <a16:creationId xmlns:a16="http://schemas.microsoft.com/office/drawing/2014/main" id="{3FAAFCE6-6FE2-4811-A0CD-5A1E25C94AC9}"/>
+              </a:ext>
+            </a:extLst>
+          </p:cNvPr>
+          <p:cNvSpPr txBox="1"/>
+          <p:nvPr/>
+        </p:nvSpPr>
+        <p:spPr>
+          <a:xfrm>
+            <a:off x="1888214" y="4214461"/>
+            <a:ext cx="1335622" cy="276999"/>
+          </a:xfrm>
+          <a:prstGeom prst="rect">
+            <a:avLst/>
+          </a:prstGeom>
+          <a:noFill/>
+        </p:spPr>
+        <p:txBody>
+          <a:bodyPr wrap="none" rtlCol="0">
+            <a:spAutoFit/>
+          </a:bodyPr>
+          <a:lstStyle/>
+          <a:p>
+            <a:r>
+              <a:rPr kumimoji="1" lang="en-US" altLang="ja-JP" sz="1200">
+                <a:latin typeface="Arial" panose="020B0604020202020204" pitchFamily="34" charset="0"/>
+                <a:cs typeface="Arial" panose="020B0604020202020204" pitchFamily="34" charset="0"/>
+              </a:rPr>
+              <a:t>NamedPipe/TCP</a:t>
+            </a:r>
+            <a:endParaRPr kumimoji="1" lang="ja-JP" altLang="en-US" sz="1200">
+              <a:latin typeface="Arial" panose="020B0604020202020204" pitchFamily="34" charset="0"/>
+              <a:cs typeface="Arial" panose="020B0604020202020204" pitchFamily="34" charset="0"/>
+            </a:endParaRPr>
+          </a:p>
+        </p:txBody>
+      </p:sp>
+      <p:pic>
+        <p:nvPicPr>
+          <p:cNvPr id="3" name="図 2">
+            <a:extLst>
+              <a:ext uri="{FF2B5EF4-FFF2-40B4-BE49-F238E27FC236}">
+                <a16:creationId xmlns:a16="http://schemas.microsoft.com/office/drawing/2014/main" id="{E3AAC794-90F2-49BC-93B3-19179B71C552}"/>
+              </a:ext>
+            </a:extLst>
+          </p:cNvPr>
+          <p:cNvPicPr>
+            <a:picLocks noChangeAspect="1"/>
+          </p:cNvPicPr>
+          <p:nvPr/>
+        </p:nvPicPr>
+        <p:blipFill>
+          <a:blip r:embed="rId3"/>
+          <a:stretch>
+            <a:fillRect/>
+          </a:stretch>
+        </p:blipFill>
+        <p:spPr>
+          <a:xfrm>
+            <a:off x="3719954" y="3891024"/>
+            <a:ext cx="9211961" cy="1914792"/>
+          </a:xfrm>
+          <a:prstGeom prst="rect">
+            <a:avLst/>
+          </a:prstGeom>
+        </p:spPr>
+      </p:pic>
+      <p:pic>
+        <p:nvPicPr>
+          <p:cNvPr id="6" name="図 5">
+            <a:extLst>
+              <a:ext uri="{FF2B5EF4-FFF2-40B4-BE49-F238E27FC236}">
+                <a16:creationId xmlns:a16="http://schemas.microsoft.com/office/drawing/2014/main" id="{D60A16CB-4407-43C1-899F-A45CE1233772}"/>
+              </a:ext>
+            </a:extLst>
+          </p:cNvPr>
+          <p:cNvPicPr>
+            <a:picLocks noChangeAspect="1"/>
+          </p:cNvPicPr>
+          <p:nvPr/>
+        </p:nvPicPr>
+        <p:blipFill>
+          <a:blip r:embed="rId4"/>
+          <a:stretch>
+            <a:fillRect/>
+          </a:stretch>
+        </p:blipFill>
+        <p:spPr>
+          <a:xfrm>
+            <a:off x="775844" y="2495667"/>
+            <a:ext cx="6354062" cy="1419423"/>
+          </a:xfrm>
+          <a:prstGeom prst="rect">
+            <a:avLst/>
+          </a:prstGeom>
+        </p:spPr>
+      </p:pic>
+      <p:cxnSp>
+        <p:nvCxnSpPr>
+          <p:cNvPr id="11" name="コネクタ: カギ線 10">
+            <a:extLst>
+              <a:ext uri="{FF2B5EF4-FFF2-40B4-BE49-F238E27FC236}">
+                <a16:creationId xmlns:a16="http://schemas.microsoft.com/office/drawing/2014/main" id="{E99E81C6-533B-4F39-938B-0FACD230BBCB}"/>
+              </a:ext>
+            </a:extLst>
+          </p:cNvPr>
+          <p:cNvCxnSpPr>
+            <a:cxnSpLocks/>
+            <a:endCxn id="3" idx="1"/>
+          </p:cNvCxnSpPr>
+          <p:nvPr/>
+        </p:nvCxnSpPr>
+        <p:spPr>
+          <a:xfrm rot="16200000" flipH="1">
+            <a:off x="2750467" y="3878932"/>
+            <a:ext cx="1581345" cy="357629"/>
+          </a:xfrm>
+          <a:prstGeom prst="bentConnector2">
+            <a:avLst/>
+          </a:prstGeom>
+          <a:ln w="31750">
+            <a:tailEnd type="triangle"/>
+          </a:ln>
+        </p:spPr>
+        <p:style>
+          <a:lnRef idx="1">
+            <a:schemeClr val="accent1"/>
+          </a:lnRef>
+          <a:fillRef idx="0">
+            <a:schemeClr val="accent1"/>
+          </a:fillRef>
+          <a:effectRef idx="0">
+            <a:schemeClr val="accent1"/>
+          </a:effectRef>
+          <a:fontRef idx="minor">
+            <a:schemeClr val="tx1"/>
+          </a:fontRef>
+        </p:style>
+      </p:cxnSp>
+    </p:spTree>
+    <p:extLst>
+      <p:ext uri="{BB962C8B-B14F-4D97-AF65-F5344CB8AC3E}">
+        <p14:creationId xmlns:p14="http://schemas.microsoft.com/office/powerpoint/2010/main" val="2928360950"/>
       </p:ext>
     </p:extLst>
   </p:cSld>
